--- a/Batch 1 JavaScript (4pm)/ajax.pptx
+++ b/Batch 1 JavaScript (4pm)/ajax.pptx
@@ -113,6 +113,22 @@
       </a:defRPr>
     </a:lvl9pPr>
   </p:defaultTextStyle>
+  <p:extLst>
+    <p:ext uri="{EFAFB233-063F-42B5-8137-9DF3F51BA10A}">
+      <p15:sldGuideLst xmlns:p15="http://schemas.microsoft.com/office/powerpoint/2012/main">
+        <p15:guide id="1" orient="horz" pos="2160">
+          <p15:clr>
+            <a:srgbClr val="A4A3A4"/>
+          </p15:clr>
+        </p15:guide>
+        <p15:guide id="2" pos="2880">
+          <p15:clr>
+            <a:srgbClr val="A4A3A4"/>
+          </p15:clr>
+        </p15:guide>
+      </p15:sldGuideLst>
+    </p:ext>
+  </p:extLst>
 </p:presentation>
 </file>
 
@@ -154,10 +170,9 @@
           <a:lstStyle/>
           <a:p>
             <a:r>
-              <a:rPr lang="en-US" smtClean="0"/>
+              <a:rPr lang="en-US"/>
               <a:t>Click to edit Master title style</a:t>
             </a:r>
-            <a:endParaRPr lang="en-US"/>
           </a:p>
         </p:txBody>
       </p:sp>
@@ -273,10 +288,9 @@
           </a:lstStyle>
           <a:p>
             <a:r>
-              <a:rPr lang="en-US" smtClean="0"/>
+              <a:rPr lang="en-US"/>
               <a:t>Click to edit Master subtitle style</a:t>
             </a:r>
-            <a:endParaRPr lang="en-US"/>
           </a:p>
         </p:txBody>
       </p:sp>
@@ -298,7 +312,7 @@
             <a:fld id="{492931F5-B162-461E-8CB0-5B68460EE1AB}" type="datetimeFigureOut">
               <a:rPr lang="en-US" smtClean="0"/>
               <a:pPr/>
-              <a:t>27-Aug-20</a:t>
+              <a:t>4/5/2025</a:t>
             </a:fld>
             <a:endParaRPr lang="en-US"/>
           </a:p>
@@ -391,10 +405,9 @@
           <a:lstStyle/>
           <a:p>
             <a:r>
-              <a:rPr lang="en-US" smtClean="0"/>
+              <a:rPr lang="en-US"/>
               <a:t>Click to edit Master title style</a:t>
             </a:r>
-            <a:endParaRPr lang="en-US"/>
           </a:p>
         </p:txBody>
       </p:sp>
@@ -415,38 +428,37 @@
           <a:p>
             <a:pPr lvl="0"/>
             <a:r>
-              <a:rPr lang="en-US" smtClean="0"/>
+              <a:rPr lang="en-US"/>
               <a:t>Click to edit Master text styles</a:t>
             </a:r>
           </a:p>
           <a:p>
             <a:pPr lvl="1"/>
             <a:r>
-              <a:rPr lang="en-US" smtClean="0"/>
+              <a:rPr lang="en-US"/>
               <a:t>Second level</a:t>
             </a:r>
           </a:p>
           <a:p>
             <a:pPr lvl="2"/>
             <a:r>
-              <a:rPr lang="en-US" smtClean="0"/>
+              <a:rPr lang="en-US"/>
               <a:t>Third level</a:t>
             </a:r>
           </a:p>
           <a:p>
             <a:pPr lvl="3"/>
             <a:r>
-              <a:rPr lang="en-US" smtClean="0"/>
+              <a:rPr lang="en-US"/>
               <a:t>Fourth level</a:t>
             </a:r>
           </a:p>
           <a:p>
             <a:pPr lvl="4"/>
             <a:r>
-              <a:rPr lang="en-US" smtClean="0"/>
+              <a:rPr lang="en-US"/>
               <a:t>Fifth level</a:t>
             </a:r>
-            <a:endParaRPr lang="en-US"/>
           </a:p>
         </p:txBody>
       </p:sp>
@@ -468,7 +480,7 @@
             <a:fld id="{492931F5-B162-461E-8CB0-5B68460EE1AB}" type="datetimeFigureOut">
               <a:rPr lang="en-US" smtClean="0"/>
               <a:pPr/>
-              <a:t>27-Aug-20</a:t>
+              <a:t>4/5/2025</a:t>
             </a:fld>
             <a:endParaRPr lang="en-US"/>
           </a:p>
@@ -566,10 +578,9 @@
           <a:lstStyle/>
           <a:p>
             <a:r>
-              <a:rPr lang="en-US" smtClean="0"/>
+              <a:rPr lang="en-US"/>
               <a:t>Click to edit Master title style</a:t>
             </a:r>
-            <a:endParaRPr lang="en-US"/>
           </a:p>
         </p:txBody>
       </p:sp>
@@ -595,38 +606,37 @@
           <a:p>
             <a:pPr lvl="0"/>
             <a:r>
-              <a:rPr lang="en-US" smtClean="0"/>
+              <a:rPr lang="en-US"/>
               <a:t>Click to edit Master text styles</a:t>
             </a:r>
           </a:p>
           <a:p>
             <a:pPr lvl="1"/>
             <a:r>
-              <a:rPr lang="en-US" smtClean="0"/>
+              <a:rPr lang="en-US"/>
               <a:t>Second level</a:t>
             </a:r>
           </a:p>
           <a:p>
             <a:pPr lvl="2"/>
             <a:r>
-              <a:rPr lang="en-US" smtClean="0"/>
+              <a:rPr lang="en-US"/>
               <a:t>Third level</a:t>
             </a:r>
           </a:p>
           <a:p>
             <a:pPr lvl="3"/>
             <a:r>
-              <a:rPr lang="en-US" smtClean="0"/>
+              <a:rPr lang="en-US"/>
               <a:t>Fourth level</a:t>
             </a:r>
           </a:p>
           <a:p>
             <a:pPr lvl="4"/>
             <a:r>
-              <a:rPr lang="en-US" smtClean="0"/>
+              <a:rPr lang="en-US"/>
               <a:t>Fifth level</a:t>
             </a:r>
-            <a:endParaRPr lang="en-US"/>
           </a:p>
         </p:txBody>
       </p:sp>
@@ -648,7 +658,7 @@
             <a:fld id="{492931F5-B162-461E-8CB0-5B68460EE1AB}" type="datetimeFigureOut">
               <a:rPr lang="en-US" smtClean="0"/>
               <a:pPr/>
-              <a:t>27-Aug-20</a:t>
+              <a:t>4/5/2025</a:t>
             </a:fld>
             <a:endParaRPr lang="en-US"/>
           </a:p>
@@ -741,10 +751,9 @@
           <a:lstStyle/>
           <a:p>
             <a:r>
-              <a:rPr lang="en-US" smtClean="0"/>
+              <a:rPr lang="en-US"/>
               <a:t>Click to edit Master title style</a:t>
             </a:r>
-            <a:endParaRPr lang="en-US"/>
           </a:p>
         </p:txBody>
       </p:sp>
@@ -765,38 +774,37 @@
           <a:p>
             <a:pPr lvl="0"/>
             <a:r>
-              <a:rPr lang="en-US" smtClean="0"/>
+              <a:rPr lang="en-US"/>
               <a:t>Click to edit Master text styles</a:t>
             </a:r>
           </a:p>
           <a:p>
             <a:pPr lvl="1"/>
             <a:r>
-              <a:rPr lang="en-US" smtClean="0"/>
+              <a:rPr lang="en-US"/>
               <a:t>Second level</a:t>
             </a:r>
           </a:p>
           <a:p>
             <a:pPr lvl="2"/>
             <a:r>
-              <a:rPr lang="en-US" smtClean="0"/>
+              <a:rPr lang="en-US"/>
               <a:t>Third level</a:t>
             </a:r>
           </a:p>
           <a:p>
             <a:pPr lvl="3"/>
             <a:r>
-              <a:rPr lang="en-US" smtClean="0"/>
+              <a:rPr lang="en-US"/>
               <a:t>Fourth level</a:t>
             </a:r>
           </a:p>
           <a:p>
             <a:pPr lvl="4"/>
             <a:r>
-              <a:rPr lang="en-US" smtClean="0"/>
+              <a:rPr lang="en-US"/>
               <a:t>Fifth level</a:t>
             </a:r>
-            <a:endParaRPr lang="en-US"/>
           </a:p>
         </p:txBody>
       </p:sp>
@@ -818,7 +826,7 @@
             <a:fld id="{492931F5-B162-461E-8CB0-5B68460EE1AB}" type="datetimeFigureOut">
               <a:rPr lang="en-US" smtClean="0"/>
               <a:pPr/>
-              <a:t>27-Aug-20</a:t>
+              <a:t>4/5/2025</a:t>
             </a:fld>
             <a:endParaRPr lang="en-US"/>
           </a:p>
@@ -920,10 +928,9 @@
           </a:lstStyle>
           <a:p>
             <a:r>
-              <a:rPr lang="en-US" smtClean="0"/>
+              <a:rPr lang="en-US"/>
               <a:t>Click to edit Master title style</a:t>
             </a:r>
-            <a:endParaRPr lang="en-US"/>
           </a:p>
         </p:txBody>
       </p:sp>
@@ -1040,7 +1047,7 @@
           <a:p>
             <a:pPr lvl="0"/>
             <a:r>
-              <a:rPr lang="en-US" smtClean="0"/>
+              <a:rPr lang="en-US"/>
               <a:t>Click to edit Master text styles</a:t>
             </a:r>
           </a:p>
@@ -1064,7 +1071,7 @@
             <a:fld id="{492931F5-B162-461E-8CB0-5B68460EE1AB}" type="datetimeFigureOut">
               <a:rPr lang="en-US" smtClean="0"/>
               <a:pPr/>
-              <a:t>27-Aug-20</a:t>
+              <a:t>4/5/2025</a:t>
             </a:fld>
             <a:endParaRPr lang="en-US"/>
           </a:p>
@@ -1157,10 +1164,9 @@
           <a:lstStyle/>
           <a:p>
             <a:r>
-              <a:rPr lang="en-US" smtClean="0"/>
+              <a:rPr lang="en-US"/>
               <a:t>Click to edit Master title style</a:t>
             </a:r>
-            <a:endParaRPr lang="en-US"/>
           </a:p>
         </p:txBody>
       </p:sp>
@@ -1214,38 +1220,37 @@
           <a:p>
             <a:pPr lvl="0"/>
             <a:r>
-              <a:rPr lang="en-US" smtClean="0"/>
+              <a:rPr lang="en-US"/>
               <a:t>Click to edit Master text styles</a:t>
             </a:r>
           </a:p>
           <a:p>
             <a:pPr lvl="1"/>
             <a:r>
-              <a:rPr lang="en-US" smtClean="0"/>
+              <a:rPr lang="en-US"/>
               <a:t>Second level</a:t>
             </a:r>
           </a:p>
           <a:p>
             <a:pPr lvl="2"/>
             <a:r>
-              <a:rPr lang="en-US" smtClean="0"/>
+              <a:rPr lang="en-US"/>
               <a:t>Third level</a:t>
             </a:r>
           </a:p>
           <a:p>
             <a:pPr lvl="3"/>
             <a:r>
-              <a:rPr lang="en-US" smtClean="0"/>
+              <a:rPr lang="en-US"/>
               <a:t>Fourth level</a:t>
             </a:r>
           </a:p>
           <a:p>
             <a:pPr lvl="4"/>
             <a:r>
-              <a:rPr lang="en-US" smtClean="0"/>
+              <a:rPr lang="en-US"/>
               <a:t>Fifth level</a:t>
             </a:r>
-            <a:endParaRPr lang="en-US"/>
           </a:p>
         </p:txBody>
       </p:sp>
@@ -1299,38 +1304,37 @@
           <a:p>
             <a:pPr lvl="0"/>
             <a:r>
-              <a:rPr lang="en-US" smtClean="0"/>
+              <a:rPr lang="en-US"/>
               <a:t>Click to edit Master text styles</a:t>
             </a:r>
           </a:p>
           <a:p>
             <a:pPr lvl="1"/>
             <a:r>
-              <a:rPr lang="en-US" smtClean="0"/>
+              <a:rPr lang="en-US"/>
               <a:t>Second level</a:t>
             </a:r>
           </a:p>
           <a:p>
             <a:pPr lvl="2"/>
             <a:r>
-              <a:rPr lang="en-US" smtClean="0"/>
+              <a:rPr lang="en-US"/>
               <a:t>Third level</a:t>
             </a:r>
           </a:p>
           <a:p>
             <a:pPr lvl="3"/>
             <a:r>
-              <a:rPr lang="en-US" smtClean="0"/>
+              <a:rPr lang="en-US"/>
               <a:t>Fourth level</a:t>
             </a:r>
           </a:p>
           <a:p>
             <a:pPr lvl="4"/>
             <a:r>
-              <a:rPr lang="en-US" smtClean="0"/>
+              <a:rPr lang="en-US"/>
               <a:t>Fifth level</a:t>
             </a:r>
-            <a:endParaRPr lang="en-US"/>
           </a:p>
         </p:txBody>
       </p:sp>
@@ -1352,7 +1356,7 @@
             <a:fld id="{492931F5-B162-461E-8CB0-5B68460EE1AB}" type="datetimeFigureOut">
               <a:rPr lang="en-US" smtClean="0"/>
               <a:pPr/>
-              <a:t>27-Aug-20</a:t>
+              <a:t>4/5/2025</a:t>
             </a:fld>
             <a:endParaRPr lang="en-US"/>
           </a:p>
@@ -1449,10 +1453,9 @@
           </a:lstStyle>
           <a:p>
             <a:r>
-              <a:rPr lang="en-US" smtClean="0"/>
+              <a:rPr lang="en-US"/>
               <a:t>Click to edit Master title style</a:t>
             </a:r>
-            <a:endParaRPr lang="en-US"/>
           </a:p>
         </p:txBody>
       </p:sp>
@@ -1515,7 +1518,7 @@
           <a:p>
             <a:pPr lvl="0"/>
             <a:r>
-              <a:rPr lang="en-US" smtClean="0"/>
+              <a:rPr lang="en-US"/>
               <a:t>Click to edit Master text styles</a:t>
             </a:r>
           </a:p>
@@ -1571,38 +1574,37 @@
           <a:p>
             <a:pPr lvl="0"/>
             <a:r>
-              <a:rPr lang="en-US" smtClean="0"/>
+              <a:rPr lang="en-US"/>
               <a:t>Click to edit Master text styles</a:t>
             </a:r>
           </a:p>
           <a:p>
             <a:pPr lvl="1"/>
             <a:r>
-              <a:rPr lang="en-US" smtClean="0"/>
+              <a:rPr lang="en-US"/>
               <a:t>Second level</a:t>
             </a:r>
           </a:p>
           <a:p>
             <a:pPr lvl="2"/>
             <a:r>
-              <a:rPr lang="en-US" smtClean="0"/>
+              <a:rPr lang="en-US"/>
               <a:t>Third level</a:t>
             </a:r>
           </a:p>
           <a:p>
             <a:pPr lvl="3"/>
             <a:r>
-              <a:rPr lang="en-US" smtClean="0"/>
+              <a:rPr lang="en-US"/>
               <a:t>Fourth level</a:t>
             </a:r>
           </a:p>
           <a:p>
             <a:pPr lvl="4"/>
             <a:r>
-              <a:rPr lang="en-US" smtClean="0"/>
+              <a:rPr lang="en-US"/>
               <a:t>Fifth level</a:t>
             </a:r>
-            <a:endParaRPr lang="en-US"/>
           </a:p>
         </p:txBody>
       </p:sp>
@@ -1665,7 +1667,7 @@
           <a:p>
             <a:pPr lvl="0"/>
             <a:r>
-              <a:rPr lang="en-US" smtClean="0"/>
+              <a:rPr lang="en-US"/>
               <a:t>Click to edit Master text styles</a:t>
             </a:r>
           </a:p>
@@ -1721,38 +1723,37 @@
           <a:p>
             <a:pPr lvl="0"/>
             <a:r>
-              <a:rPr lang="en-US" smtClean="0"/>
+              <a:rPr lang="en-US"/>
               <a:t>Click to edit Master text styles</a:t>
             </a:r>
           </a:p>
           <a:p>
             <a:pPr lvl="1"/>
             <a:r>
-              <a:rPr lang="en-US" smtClean="0"/>
+              <a:rPr lang="en-US"/>
               <a:t>Second level</a:t>
             </a:r>
           </a:p>
           <a:p>
             <a:pPr lvl="2"/>
             <a:r>
-              <a:rPr lang="en-US" smtClean="0"/>
+              <a:rPr lang="en-US"/>
               <a:t>Third level</a:t>
             </a:r>
           </a:p>
           <a:p>
             <a:pPr lvl="3"/>
             <a:r>
-              <a:rPr lang="en-US" smtClean="0"/>
+              <a:rPr lang="en-US"/>
               <a:t>Fourth level</a:t>
             </a:r>
           </a:p>
           <a:p>
             <a:pPr lvl="4"/>
             <a:r>
-              <a:rPr lang="en-US" smtClean="0"/>
+              <a:rPr lang="en-US"/>
               <a:t>Fifth level</a:t>
             </a:r>
-            <a:endParaRPr lang="en-US"/>
           </a:p>
         </p:txBody>
       </p:sp>
@@ -1774,7 +1775,7 @@
             <a:fld id="{492931F5-B162-461E-8CB0-5B68460EE1AB}" type="datetimeFigureOut">
               <a:rPr lang="en-US" smtClean="0"/>
               <a:pPr/>
-              <a:t>27-Aug-20</a:t>
+              <a:t>4/5/2025</a:t>
             </a:fld>
             <a:endParaRPr lang="en-US"/>
           </a:p>
@@ -1867,10 +1868,9 @@
           <a:lstStyle/>
           <a:p>
             <a:r>
-              <a:rPr lang="en-US" smtClean="0"/>
+              <a:rPr lang="en-US"/>
               <a:t>Click to edit Master title style</a:t>
             </a:r>
-            <a:endParaRPr lang="en-US"/>
           </a:p>
         </p:txBody>
       </p:sp>
@@ -1892,7 +1892,7 @@
             <a:fld id="{492931F5-B162-461E-8CB0-5B68460EE1AB}" type="datetimeFigureOut">
               <a:rPr lang="en-US" smtClean="0"/>
               <a:pPr/>
-              <a:t>27-Aug-20</a:t>
+              <a:t>4/5/2025</a:t>
             </a:fld>
             <a:endParaRPr lang="en-US"/>
           </a:p>
@@ -1987,7 +1987,7 @@
             <a:fld id="{492931F5-B162-461E-8CB0-5B68460EE1AB}" type="datetimeFigureOut">
               <a:rPr lang="en-US" smtClean="0"/>
               <a:pPr/>
-              <a:t>27-Aug-20</a:t>
+              <a:t>4/5/2025</a:t>
             </a:fld>
             <a:endParaRPr lang="en-US"/>
           </a:p>
@@ -2089,10 +2089,9 @@
           </a:lstStyle>
           <a:p>
             <a:r>
-              <a:rPr lang="en-US" smtClean="0"/>
+              <a:rPr lang="en-US"/>
               <a:t>Click to edit Master title style</a:t>
             </a:r>
-            <a:endParaRPr lang="en-US"/>
           </a:p>
         </p:txBody>
       </p:sp>
@@ -2146,38 +2145,37 @@
           <a:p>
             <a:pPr lvl="0"/>
             <a:r>
-              <a:rPr lang="en-US" smtClean="0"/>
+              <a:rPr lang="en-US"/>
               <a:t>Click to edit Master text styles</a:t>
             </a:r>
           </a:p>
           <a:p>
             <a:pPr lvl="1"/>
             <a:r>
-              <a:rPr lang="en-US" smtClean="0"/>
+              <a:rPr lang="en-US"/>
               <a:t>Second level</a:t>
             </a:r>
           </a:p>
           <a:p>
             <a:pPr lvl="2"/>
             <a:r>
-              <a:rPr lang="en-US" smtClean="0"/>
+              <a:rPr lang="en-US"/>
               <a:t>Third level</a:t>
             </a:r>
           </a:p>
           <a:p>
             <a:pPr lvl="3"/>
             <a:r>
-              <a:rPr lang="en-US" smtClean="0"/>
+              <a:rPr lang="en-US"/>
               <a:t>Fourth level</a:t>
             </a:r>
           </a:p>
           <a:p>
             <a:pPr lvl="4"/>
             <a:r>
-              <a:rPr lang="en-US" smtClean="0"/>
+              <a:rPr lang="en-US"/>
               <a:t>Fifth level</a:t>
             </a:r>
-            <a:endParaRPr lang="en-US"/>
           </a:p>
         </p:txBody>
       </p:sp>
@@ -2240,7 +2238,7 @@
           <a:p>
             <a:pPr lvl="0"/>
             <a:r>
-              <a:rPr lang="en-US" smtClean="0"/>
+              <a:rPr lang="en-US"/>
               <a:t>Click to edit Master text styles</a:t>
             </a:r>
           </a:p>
@@ -2264,7 +2262,7 @@
             <a:fld id="{492931F5-B162-461E-8CB0-5B68460EE1AB}" type="datetimeFigureOut">
               <a:rPr lang="en-US" smtClean="0"/>
               <a:pPr/>
-              <a:t>27-Aug-20</a:t>
+              <a:t>4/5/2025</a:t>
             </a:fld>
             <a:endParaRPr lang="en-US"/>
           </a:p>
@@ -2366,10 +2364,9 @@
           </a:lstStyle>
           <a:p>
             <a:r>
-              <a:rPr lang="en-US" smtClean="0"/>
+              <a:rPr lang="en-US"/>
               <a:t>Click to edit Master title style</a:t>
             </a:r>
-            <a:endParaRPr lang="en-US"/>
           </a:p>
         </p:txBody>
       </p:sp>
@@ -2493,7 +2490,7 @@
           <a:p>
             <a:pPr lvl="0"/>
             <a:r>
-              <a:rPr lang="en-US" smtClean="0"/>
+              <a:rPr lang="en-US"/>
               <a:t>Click to edit Master text styles</a:t>
             </a:r>
           </a:p>
@@ -2517,7 +2514,7 @@
             <a:fld id="{492931F5-B162-461E-8CB0-5B68460EE1AB}" type="datetimeFigureOut">
               <a:rPr lang="en-US" smtClean="0"/>
               <a:pPr/>
-              <a:t>27-Aug-20</a:t>
+              <a:t>4/5/2025</a:t>
             </a:fld>
             <a:endParaRPr lang="en-US"/>
           </a:p>
@@ -2625,10 +2622,9 @@
           <a:lstStyle/>
           <a:p>
             <a:r>
-              <a:rPr lang="en-US" smtClean="0"/>
+              <a:rPr lang="en-US"/>
               <a:t>Click to edit Master title style</a:t>
             </a:r>
-            <a:endParaRPr lang="en-US"/>
           </a:p>
         </p:txBody>
       </p:sp>
@@ -2659,38 +2655,37 @@
           <a:p>
             <a:pPr lvl="0"/>
             <a:r>
-              <a:rPr lang="en-US" smtClean="0"/>
+              <a:rPr lang="en-US"/>
               <a:t>Click to edit Master text styles</a:t>
             </a:r>
           </a:p>
           <a:p>
             <a:pPr lvl="1"/>
             <a:r>
-              <a:rPr lang="en-US" smtClean="0"/>
+              <a:rPr lang="en-US"/>
               <a:t>Second level</a:t>
             </a:r>
           </a:p>
           <a:p>
             <a:pPr lvl="2"/>
             <a:r>
-              <a:rPr lang="en-US" smtClean="0"/>
+              <a:rPr lang="en-US"/>
               <a:t>Third level</a:t>
             </a:r>
           </a:p>
           <a:p>
             <a:pPr lvl="3"/>
             <a:r>
-              <a:rPr lang="en-US" smtClean="0"/>
+              <a:rPr lang="en-US"/>
               <a:t>Fourth level</a:t>
             </a:r>
           </a:p>
           <a:p>
             <a:pPr lvl="4"/>
             <a:r>
-              <a:rPr lang="en-US" smtClean="0"/>
+              <a:rPr lang="en-US"/>
               <a:t>Fifth level</a:t>
             </a:r>
-            <a:endParaRPr lang="en-US"/>
           </a:p>
         </p:txBody>
       </p:sp>
@@ -2730,7 +2725,7 @@
             <a:fld id="{492931F5-B162-461E-8CB0-5B68460EE1AB}" type="datetimeFigureOut">
               <a:rPr lang="en-US" smtClean="0"/>
               <a:pPr/>
-              <a:t>27-Aug-20</a:t>
+              <a:t>4/5/2025</a:t>
             </a:fld>
             <a:endParaRPr lang="en-US"/>
           </a:p>
@@ -3120,10 +3115,9 @@
           <a:lstStyle/>
           <a:p>
             <a:r>
-              <a:rPr lang="en-US" dirty="0" smtClean="0"/>
+              <a:rPr lang="en-US" dirty="0"/>
               <a:t>What is AJAX ? </a:t>
             </a:r>
-            <a:endParaRPr lang="en-US" dirty="0"/>
           </a:p>
         </p:txBody>
       </p:sp>
@@ -3146,57 +3140,57 @@
           <a:p>
             <a:pPr algn="just"/>
             <a:r>
-              <a:rPr lang="en-US" sz="2200" dirty="0" smtClean="0"/>
+              <a:rPr lang="en-US" sz="2200" dirty="0"/>
               <a:t>AJAX = </a:t>
             </a:r>
             <a:r>
-              <a:rPr lang="en-US" sz="2200" b="1" dirty="0" smtClean="0"/>
+              <a:rPr lang="en-US" sz="2200" b="1" dirty="0"/>
               <a:t>A</a:t>
             </a:r>
             <a:r>
-              <a:rPr lang="en-US" sz="2200" dirty="0" smtClean="0"/>
+              <a:rPr lang="en-US" sz="2200" dirty="0"/>
               <a:t>synchronous </a:t>
             </a:r>
             <a:r>
-              <a:rPr lang="en-US" sz="2200" b="1" dirty="0" smtClean="0"/>
+              <a:rPr lang="en-US" sz="2200" b="1" dirty="0"/>
               <a:t>J</a:t>
             </a:r>
             <a:r>
-              <a:rPr lang="en-US" sz="2200" dirty="0" smtClean="0"/>
+              <a:rPr lang="en-US" sz="2200" dirty="0"/>
               <a:t>avaScript </a:t>
             </a:r>
             <a:r>
-              <a:rPr lang="en-US" sz="2200" b="1" dirty="0" smtClean="0"/>
+              <a:rPr lang="en-US" sz="2200" b="1" dirty="0"/>
               <a:t>A</a:t>
             </a:r>
             <a:r>
-              <a:rPr lang="en-US" sz="2200" dirty="0" smtClean="0"/>
+              <a:rPr lang="en-US" sz="2200" dirty="0"/>
               <a:t>nd </a:t>
             </a:r>
             <a:r>
-              <a:rPr lang="en-US" sz="2200" b="1" dirty="0" smtClean="0"/>
+              <a:rPr lang="en-US" sz="2200" b="1" dirty="0"/>
               <a:t>X</a:t>
             </a:r>
             <a:r>
-              <a:rPr lang="en-US" sz="2200" dirty="0" smtClean="0"/>
+              <a:rPr lang="en-US" sz="2200" dirty="0"/>
               <a:t>ML.</a:t>
             </a:r>
           </a:p>
           <a:p>
             <a:pPr algn="just"/>
             <a:r>
-              <a:rPr lang="en-US" sz="2200" dirty="0" smtClean="0"/>
+              <a:rPr lang="en-US" sz="2200" dirty="0"/>
               <a:t>AJAX is not a programming language.</a:t>
             </a:r>
           </a:p>
           <a:p>
             <a:pPr algn="just"/>
-            <a:endParaRPr lang="en-US" sz="2200" dirty="0" smtClean="0"/>
+            <a:endParaRPr lang="en-US" sz="2200" dirty="0"/>
           </a:p>
           <a:p>
             <a:pPr algn="just"/>
             <a:r>
-              <a:rPr lang="en-US" sz="2200" dirty="0" smtClean="0"/>
+              <a:rPr lang="en-US" sz="2200" dirty="0"/>
               <a:t>AJAX just uses a combination of:</a:t>
             </a:r>
           </a:p>
@@ -3206,16 +3200,16 @@
               <a:buAutoNum type="arabicPeriod"/>
             </a:pPr>
             <a:r>
-              <a:rPr lang="en-US" sz="2200" dirty="0" smtClean="0"/>
+              <a:rPr lang="en-US" sz="2200" dirty="0"/>
               <a:t>A browser built-in </a:t>
             </a:r>
             <a:r>
-              <a:rPr lang="en-US" sz="2200" dirty="0" err="1" smtClean="0"/>
+              <a:rPr lang="en-US" sz="2200" dirty="0" err="1"/>
               <a:t>XMLHttpRequest</a:t>
             </a:r>
             <a:r>
-              <a:rPr lang="en-US" sz="2200" dirty="0" smtClean="0"/>
-              <a:t> object (to request data from a web server)</a:t>
+              <a:rPr lang="en-US" sz="2200" dirty="0"/>
+              <a:t> API (to request data from a web server)</a:t>
             </a:r>
           </a:p>
           <a:p>
@@ -3224,7 +3218,7 @@
               <a:buAutoNum type="arabicPeriod"/>
             </a:pPr>
             <a:r>
-              <a:rPr lang="en-US" sz="2200" dirty="0" smtClean="0"/>
+              <a:rPr lang="en-US" sz="2200" dirty="0"/>
               <a:t>JavaScript and HTML DOM (to display or use the data)</a:t>
             </a:r>
           </a:p>
@@ -3233,12 +3227,12 @@
               <a:buFont typeface="+mj-lt"/>
               <a:buAutoNum type="arabicPeriod"/>
             </a:pPr>
-            <a:endParaRPr lang="en-US" sz="2200" dirty="0" smtClean="0"/>
+            <a:endParaRPr lang="en-US" sz="2200" dirty="0"/>
           </a:p>
           <a:p>
             <a:pPr algn="just"/>
             <a:r>
-              <a:rPr lang="en-US" sz="2200" dirty="0" smtClean="0"/>
+              <a:rPr lang="en-US" sz="2200" dirty="0"/>
               <a:t>AJAX allows web pages to be updated asynchronously by exchanging data with a web server behind the scenes. This means that it is possible to update parts of a web page, without reloading the whole page.</a:t>
             </a:r>
           </a:p>
@@ -3246,12 +3240,8 @@
             <a:pPr algn="just">
               <a:buNone/>
             </a:pPr>
-            <a:r>
-              <a:rPr lang="en-US" sz="2200" dirty="0" smtClean="0"/>
-              <a:t/>
-            </a:r>
             <a:br>
-              <a:rPr lang="en-US" sz="2200" dirty="0" smtClean="0"/>
+              <a:rPr lang="en-US" sz="2200" dirty="0"/>
             </a:br>
             <a:endParaRPr lang="en-US" sz="2200" dirty="0"/>
           </a:p>
@@ -3301,10 +3291,9 @@
           <a:lstStyle/>
           <a:p>
             <a:r>
-              <a:rPr lang="en-US" dirty="0" smtClean="0"/>
+              <a:rPr lang="en-US" dirty="0"/>
               <a:t>Example</a:t>
             </a:r>
-            <a:endParaRPr lang="en-US" dirty="0"/>
           </a:p>
         </p:txBody>
       </p:sp>
@@ -3326,176 +3315,175 @@
           <a:lstStyle/>
           <a:p>
             <a:r>
-              <a:rPr lang="en-US" sz="2400" dirty="0" smtClean="0"/>
+              <a:rPr lang="en-US" sz="2400" dirty="0"/>
               <a:t>function </a:t>
             </a:r>
             <a:r>
-              <a:rPr lang="en-US" sz="2400" dirty="0" err="1" smtClean="0"/>
+              <a:rPr lang="en-US" sz="2400" dirty="0" err="1"/>
               <a:t>loadDoc</a:t>
             </a:r>
             <a:r>
-              <a:rPr lang="en-US" sz="2400" dirty="0" smtClean="0"/>
+              <a:rPr lang="en-US" sz="2400" dirty="0"/>
               <a:t>() {</a:t>
             </a:r>
             <a:br>
-              <a:rPr lang="en-US" sz="2400" dirty="0" smtClean="0"/>
+              <a:rPr lang="en-US" sz="2400" dirty="0"/>
             </a:br>
             <a:r>
-              <a:rPr lang="en-US" sz="2400" dirty="0" smtClean="0"/>
+              <a:rPr lang="en-US" sz="2400" dirty="0"/>
               <a:t>  </a:t>
             </a:r>
             <a:r>
-              <a:rPr lang="en-US" sz="2400" dirty="0" err="1" smtClean="0"/>
+              <a:rPr lang="en-US" sz="2400" dirty="0" err="1"/>
               <a:t>var</a:t>
             </a:r>
             <a:r>
-              <a:rPr lang="en-US" sz="2400" dirty="0" smtClean="0"/>
+              <a:rPr lang="en-US" sz="2400" dirty="0"/>
               <a:t> </a:t>
             </a:r>
             <a:r>
-              <a:rPr lang="en-US" sz="2400" dirty="0" err="1" smtClean="0"/>
+              <a:rPr lang="en-US" sz="2400" dirty="0" err="1"/>
               <a:t>xhttp</a:t>
             </a:r>
             <a:r>
-              <a:rPr lang="en-US" sz="2400" dirty="0" smtClean="0"/>
+              <a:rPr lang="en-US" sz="2400" dirty="0"/>
               <a:t> = new </a:t>
             </a:r>
             <a:r>
-              <a:rPr lang="en-US" sz="2400" dirty="0" err="1" smtClean="0"/>
+              <a:rPr lang="en-US" sz="2400" dirty="0" err="1"/>
               <a:t>XMLHttpRequest</a:t>
             </a:r>
             <a:r>
-              <a:rPr lang="en-US" sz="2400" dirty="0" smtClean="0"/>
+              <a:rPr lang="en-US" sz="2400" dirty="0"/>
               <a:t>();</a:t>
             </a:r>
             <a:br>
-              <a:rPr lang="en-US" sz="2400" dirty="0" smtClean="0"/>
+              <a:rPr lang="en-US" sz="2400" dirty="0"/>
             </a:br>
             <a:r>
-              <a:rPr lang="en-US" sz="2400" dirty="0" smtClean="0"/>
+              <a:rPr lang="en-US" sz="2400" dirty="0"/>
               <a:t>  </a:t>
             </a:r>
             <a:r>
-              <a:rPr lang="en-US" sz="2400" dirty="0" err="1" smtClean="0"/>
+              <a:rPr lang="en-US" sz="2400" dirty="0" err="1"/>
               <a:t>xhttp.open</a:t>
             </a:r>
             <a:r>
-              <a:rPr lang="en-US" sz="2400" dirty="0" smtClean="0"/>
+              <a:rPr lang="en-US" sz="2400" dirty="0"/>
               <a:t>("GET", "ajax_info.txt", true);</a:t>
             </a:r>
             <a:br>
-              <a:rPr lang="en-US" sz="2400" dirty="0" smtClean="0"/>
+              <a:rPr lang="en-US" sz="2400" dirty="0"/>
             </a:br>
             <a:r>
-              <a:rPr lang="en-US" sz="2400" dirty="0" smtClean="0"/>
+              <a:rPr lang="en-US" sz="2400" dirty="0"/>
               <a:t>  </a:t>
             </a:r>
             <a:r>
-              <a:rPr lang="en-US" sz="2400" dirty="0" err="1" smtClean="0"/>
+              <a:rPr lang="en-US" sz="2400" dirty="0" err="1"/>
               <a:t>xhttp.send</a:t>
             </a:r>
             <a:r>
-              <a:rPr lang="en-US" sz="2400" dirty="0" smtClean="0"/>
+              <a:rPr lang="en-US" sz="2400" dirty="0"/>
               <a:t>();</a:t>
             </a:r>
             <a:br>
-              <a:rPr lang="en-US" sz="2400" dirty="0" smtClean="0"/>
+              <a:rPr lang="en-US" sz="2400" dirty="0"/>
             </a:br>
             <a:r>
-              <a:rPr lang="en-US" sz="2400" dirty="0" smtClean="0"/>
+              <a:rPr lang="en-US" sz="2400" dirty="0"/>
               <a:t>  </a:t>
             </a:r>
             <a:r>
-              <a:rPr lang="en-US" sz="2400" dirty="0" err="1" smtClean="0"/>
+              <a:rPr lang="en-US" sz="2400" dirty="0" err="1"/>
               <a:t>xhttp.onreadystatechange</a:t>
             </a:r>
             <a:r>
-              <a:rPr lang="en-US" sz="2400" dirty="0" smtClean="0"/>
+              <a:rPr lang="en-US" sz="2400" dirty="0"/>
               <a:t> = function() {</a:t>
             </a:r>
             <a:br>
-              <a:rPr lang="en-US" sz="2400" dirty="0" smtClean="0"/>
+              <a:rPr lang="en-US" sz="2400" dirty="0"/>
             </a:br>
             <a:r>
-              <a:rPr lang="en-US" sz="2400" dirty="0" smtClean="0"/>
+              <a:rPr lang="en-US" sz="2400" dirty="0"/>
               <a:t>    if (</a:t>
             </a:r>
             <a:r>
-              <a:rPr lang="en-US" sz="2400" dirty="0" err="1" smtClean="0"/>
+              <a:rPr lang="en-US" sz="2400" dirty="0" err="1"/>
               <a:t>this.readyState</a:t>
             </a:r>
             <a:r>
-              <a:rPr lang="en-US" sz="2400" dirty="0" smtClean="0"/>
+              <a:rPr lang="en-US" sz="2400" dirty="0"/>
               <a:t> == 4 &amp;&amp; </a:t>
             </a:r>
             <a:r>
-              <a:rPr lang="en-US" sz="2400" dirty="0" err="1" smtClean="0"/>
+              <a:rPr lang="en-US" sz="2400" dirty="0" err="1"/>
               <a:t>this.status</a:t>
             </a:r>
             <a:r>
-              <a:rPr lang="en-US" sz="2400" dirty="0" smtClean="0"/>
+              <a:rPr lang="en-US" sz="2400" dirty="0"/>
               <a:t> == 200) {</a:t>
             </a:r>
             <a:br>
-              <a:rPr lang="en-US" sz="2400" dirty="0" smtClean="0"/>
+              <a:rPr lang="en-US" sz="2400" dirty="0"/>
             </a:br>
             <a:r>
-              <a:rPr lang="en-US" sz="2400" dirty="0" smtClean="0"/>
+              <a:rPr lang="en-US" sz="2400" dirty="0"/>
               <a:t>      </a:t>
             </a:r>
             <a:r>
-              <a:rPr lang="en-US" sz="2400" dirty="0" err="1" smtClean="0"/>
+              <a:rPr lang="en-US" sz="2400" dirty="0" err="1"/>
               <a:t>document.getElementById</a:t>
             </a:r>
             <a:r>
-              <a:rPr lang="en-US" sz="2400" dirty="0" smtClean="0"/>
+              <a:rPr lang="en-US" sz="2400" dirty="0"/>
               <a:t>("demo").</a:t>
             </a:r>
             <a:r>
-              <a:rPr lang="en-US" sz="2400" dirty="0" err="1" smtClean="0"/>
+              <a:rPr lang="en-US" sz="2400" dirty="0" err="1"/>
               <a:t>innerHTML</a:t>
             </a:r>
             <a:r>
-              <a:rPr lang="en-US" sz="2400" dirty="0" smtClean="0"/>
+              <a:rPr lang="en-US" sz="2400" dirty="0"/>
               <a:t> =</a:t>
             </a:r>
             <a:br>
-              <a:rPr lang="en-US" sz="2400" dirty="0" smtClean="0"/>
+              <a:rPr lang="en-US" sz="2400" dirty="0"/>
             </a:br>
             <a:r>
-              <a:rPr lang="en-US" sz="2400" dirty="0" smtClean="0"/>
+              <a:rPr lang="en-US" sz="2400" dirty="0"/>
               <a:t>      </a:t>
             </a:r>
             <a:r>
-              <a:rPr lang="en-US" sz="2400" dirty="0" err="1" smtClean="0"/>
+              <a:rPr lang="en-US" sz="2400" dirty="0" err="1"/>
               <a:t>this.responseText</a:t>
             </a:r>
             <a:r>
-              <a:rPr lang="en-US" sz="2400" dirty="0" smtClean="0"/>
+              <a:rPr lang="en-US" sz="2400" dirty="0"/>
               <a:t>;</a:t>
             </a:r>
             <a:br>
-              <a:rPr lang="en-US" sz="2400" dirty="0" smtClean="0"/>
+              <a:rPr lang="en-US" sz="2400" dirty="0"/>
             </a:br>
             <a:r>
-              <a:rPr lang="en-US" sz="2400" dirty="0" smtClean="0"/>
+              <a:rPr lang="en-US" sz="2400" dirty="0"/>
               <a:t>    }</a:t>
             </a:r>
             <a:br>
-              <a:rPr lang="en-US" sz="2400" dirty="0" smtClean="0"/>
+              <a:rPr lang="en-US" sz="2400" dirty="0"/>
             </a:br>
             <a:r>
-              <a:rPr lang="en-US" sz="2400" dirty="0" smtClean="0"/>
+              <a:rPr lang="en-US" sz="2400" dirty="0"/>
               <a:t>  };</a:t>
             </a:r>
             <a:br>
-              <a:rPr lang="en-US" sz="2400" dirty="0" smtClean="0"/>
+              <a:rPr lang="en-US" sz="2400" dirty="0"/>
             </a:br>
             <a:r>
-              <a:rPr lang="en-US" sz="2400" dirty="0" smtClean="0"/>
+              <a:rPr lang="en-US" sz="2400" dirty="0"/>
               <a:t>  }</a:t>
             </a:r>
-            <a:endParaRPr lang="en-US" sz="2400" dirty="0"/>
           </a:p>
         </p:txBody>
       </p:sp>
@@ -3543,10 +3531,9 @@
           <a:lstStyle/>
           <a:p>
             <a:r>
-              <a:rPr lang="en-US" dirty="0" smtClean="0"/>
+              <a:rPr lang="en-US" dirty="0"/>
               <a:t>How AJAX Works ?</a:t>
             </a:r>
-            <a:endParaRPr lang="en-US" dirty="0"/>
           </a:p>
         </p:txBody>
       </p:sp>
@@ -3617,10 +3604,9 @@
           <a:lstStyle/>
           <a:p>
             <a:r>
-              <a:rPr lang="en-US" dirty="0" smtClean="0"/>
+              <a:rPr lang="en-US" dirty="0"/>
               <a:t>Steps</a:t>
             </a:r>
-            <a:endParaRPr lang="en-US" dirty="0"/>
           </a:p>
         </p:txBody>
       </p:sp>
@@ -3645,7 +3631,7 @@
               <a:buNone/>
             </a:pPr>
             <a:r>
-              <a:rPr lang="en-US" dirty="0" smtClean="0"/>
+              <a:rPr lang="en-US" dirty="0"/>
               <a:t>1. An event occurs in a web page (the page is loaded, a button is clicked)</a:t>
             </a:r>
           </a:p>
@@ -3654,15 +3640,15 @@
               <a:buNone/>
             </a:pPr>
             <a:r>
-              <a:rPr lang="en-US" dirty="0" smtClean="0"/>
+              <a:rPr lang="en-US" dirty="0"/>
               <a:t>2. An </a:t>
             </a:r>
             <a:r>
-              <a:rPr lang="en-US" dirty="0" err="1" smtClean="0"/>
+              <a:rPr lang="en-US" dirty="0" err="1"/>
               <a:t>XMLHttpRequest</a:t>
             </a:r>
             <a:r>
-              <a:rPr lang="en-US" dirty="0" smtClean="0"/>
+              <a:rPr lang="en-US" dirty="0"/>
               <a:t> object is created by JavaScript</a:t>
             </a:r>
           </a:p>
@@ -3671,15 +3657,15 @@
               <a:buNone/>
             </a:pPr>
             <a:r>
-              <a:rPr lang="en-US" dirty="0" smtClean="0"/>
+              <a:rPr lang="en-US" dirty="0"/>
               <a:t>3. The </a:t>
             </a:r>
             <a:r>
-              <a:rPr lang="en-US" dirty="0" err="1" smtClean="0"/>
+              <a:rPr lang="en-US" dirty="0" err="1"/>
               <a:t>XMLHttpRequest</a:t>
             </a:r>
             <a:r>
-              <a:rPr lang="en-US" dirty="0" smtClean="0"/>
+              <a:rPr lang="en-US" dirty="0"/>
               <a:t> object sends a request to a web server</a:t>
             </a:r>
           </a:p>
@@ -3688,7 +3674,7 @@
               <a:buNone/>
             </a:pPr>
             <a:r>
-              <a:rPr lang="en-US" dirty="0" smtClean="0"/>
+              <a:rPr lang="en-US" dirty="0"/>
               <a:t>4. The server processes the request</a:t>
             </a:r>
           </a:p>
@@ -3697,7 +3683,7 @@
               <a:buNone/>
             </a:pPr>
             <a:r>
-              <a:rPr lang="en-US" dirty="0" smtClean="0"/>
+              <a:rPr lang="en-US" dirty="0"/>
               <a:t>5. The server sends a response back to the web page</a:t>
             </a:r>
           </a:p>
@@ -3706,7 +3692,7 @@
               <a:buNone/>
             </a:pPr>
             <a:r>
-              <a:rPr lang="en-US" dirty="0" smtClean="0"/>
+              <a:rPr lang="en-US" dirty="0"/>
               <a:t>6. The response is read by JavaScript</a:t>
             </a:r>
           </a:p>
@@ -3715,7 +3701,7 @@
               <a:buNone/>
             </a:pPr>
             <a:r>
-              <a:rPr lang="en-US" dirty="0" smtClean="0"/>
+              <a:rPr lang="en-US" dirty="0"/>
               <a:t>7. Proper action (like page update) is performed by JavaScript</a:t>
             </a:r>
           </a:p>
@@ -3773,18 +3759,17 @@
           <a:lstStyle/>
           <a:p>
             <a:r>
-              <a:rPr lang="en-US" dirty="0" smtClean="0"/>
+              <a:rPr lang="en-US" dirty="0"/>
               <a:t>Create an </a:t>
             </a:r>
             <a:r>
-              <a:rPr lang="en-US" dirty="0" err="1" smtClean="0"/>
+              <a:rPr lang="en-US" dirty="0" err="1"/>
               <a:t>XMLHttpRequest</a:t>
             </a:r>
             <a:r>
-              <a:rPr lang="en-US" dirty="0" smtClean="0"/>
+              <a:rPr lang="en-US" dirty="0"/>
               <a:t> Object</a:t>
             </a:r>
-            <a:endParaRPr lang="en-US" dirty="0"/>
           </a:p>
         </p:txBody>
       </p:sp>
@@ -3807,34 +3792,34 @@
           <a:p>
             <a:pPr algn="just"/>
             <a:r>
-              <a:rPr lang="en-US" dirty="0" smtClean="0"/>
+              <a:rPr lang="en-US" dirty="0"/>
               <a:t>All modern browsers (Chrome, Firefox, IE7+, Edge, Safari, Opera) have a built-in </a:t>
             </a:r>
             <a:r>
-              <a:rPr lang="en-US" dirty="0" err="1" smtClean="0"/>
+              <a:rPr lang="en-US" dirty="0" err="1"/>
               <a:t>XMLHttpRequest</a:t>
             </a:r>
             <a:r>
-              <a:rPr lang="en-US" dirty="0" smtClean="0"/>
+              <a:rPr lang="en-US" dirty="0"/>
               <a:t> object.</a:t>
             </a:r>
           </a:p>
           <a:p>
             <a:pPr algn="just"/>
-            <a:endParaRPr lang="en-US" dirty="0" smtClean="0"/>
+            <a:endParaRPr lang="en-US" dirty="0"/>
           </a:p>
           <a:p>
             <a:pPr algn="just"/>
             <a:r>
-              <a:rPr lang="en-US" dirty="0" smtClean="0"/>
+              <a:rPr lang="en-US" dirty="0"/>
               <a:t>Syntax for creating an </a:t>
             </a:r>
             <a:r>
-              <a:rPr lang="en-US" dirty="0" err="1" smtClean="0"/>
+              <a:rPr lang="en-US" dirty="0" err="1"/>
               <a:t>XMLHttpRequest</a:t>
             </a:r>
             <a:r>
-              <a:rPr lang="en-US" dirty="0" smtClean="0"/>
+              <a:rPr lang="en-US" dirty="0"/>
               <a:t> object:</a:t>
             </a:r>
           </a:p>
@@ -3843,19 +3828,19 @@
               <a:buNone/>
             </a:pPr>
             <a:r>
-              <a:rPr lang="en-US" i="1" dirty="0" smtClean="0"/>
+              <a:rPr lang="en-US" i="1" dirty="0"/>
               <a:t>	variable </a:t>
             </a:r>
             <a:r>
-              <a:rPr lang="en-US" dirty="0" smtClean="0"/>
+              <a:rPr lang="en-US" dirty="0"/>
               <a:t>= new </a:t>
             </a:r>
             <a:r>
-              <a:rPr lang="en-US" dirty="0" err="1" smtClean="0"/>
+              <a:rPr lang="en-US" dirty="0" err="1"/>
               <a:t>XMLHttpRequest</a:t>
             </a:r>
             <a:r>
-              <a:rPr lang="en-US" dirty="0" smtClean="0"/>
+              <a:rPr lang="en-US" dirty="0"/>
               <a:t>();</a:t>
             </a:r>
           </a:p>
@@ -3863,12 +3848,12 @@
             <a:pPr algn="just">
               <a:buNone/>
             </a:pPr>
-            <a:endParaRPr lang="en-US" dirty="0" smtClean="0"/>
+            <a:endParaRPr lang="en-US" dirty="0"/>
           </a:p>
           <a:p>
             <a:pPr algn="just"/>
             <a:r>
-              <a:rPr lang="en-US" dirty="0" smtClean="0"/>
+              <a:rPr lang="en-US" dirty="0"/>
               <a:t>Example</a:t>
             </a:r>
           </a:p>
@@ -3877,31 +3862,31 @@
               <a:buNone/>
             </a:pPr>
             <a:r>
-              <a:rPr lang="en-US" dirty="0" smtClean="0"/>
+              <a:rPr lang="en-US" dirty="0"/>
               <a:t>	</a:t>
             </a:r>
             <a:r>
-              <a:rPr lang="en-US" dirty="0" err="1" smtClean="0"/>
+              <a:rPr lang="en-US" dirty="0" err="1"/>
               <a:t>var</a:t>
             </a:r>
             <a:r>
-              <a:rPr lang="en-US" dirty="0" smtClean="0"/>
+              <a:rPr lang="en-US" dirty="0"/>
               <a:t> </a:t>
             </a:r>
             <a:r>
-              <a:rPr lang="en-US" dirty="0" err="1" smtClean="0"/>
+              <a:rPr lang="en-US" dirty="0" err="1"/>
               <a:t>xhttp</a:t>
             </a:r>
             <a:r>
-              <a:rPr lang="en-US" dirty="0" smtClean="0"/>
+              <a:rPr lang="en-US" dirty="0"/>
               <a:t> = new </a:t>
             </a:r>
             <a:r>
-              <a:rPr lang="en-US" dirty="0" err="1" smtClean="0"/>
+              <a:rPr lang="en-US" dirty="0" err="1"/>
               <a:t>XMLHttpRequest</a:t>
             </a:r>
             <a:r>
-              <a:rPr lang="en-US" dirty="0" smtClean="0"/>
+              <a:rPr lang="en-US" dirty="0"/>
               <a:t>();</a:t>
             </a:r>
           </a:p>
@@ -3909,12 +3894,8 @@
             <a:pPr algn="just">
               <a:buNone/>
             </a:pPr>
-            <a:r>
-              <a:rPr lang="en-US" dirty="0" smtClean="0"/>
-              <a:t/>
-            </a:r>
             <a:br>
-              <a:rPr lang="en-US" dirty="0" smtClean="0"/>
+              <a:rPr lang="en-US" dirty="0"/>
             </a:br>
             <a:endParaRPr lang="en-US" dirty="0"/>
           </a:p>
@@ -4066,10 +4047,9 @@
           <a:lstStyle/>
           <a:p>
             <a:r>
-              <a:rPr lang="en-US" dirty="0" smtClean="0"/>
+              <a:rPr lang="en-US" dirty="0"/>
               <a:t>Note</a:t>
             </a:r>
-            <a:endParaRPr lang="en-US" dirty="0"/>
           </a:p>
         </p:txBody>
       </p:sp>
@@ -4090,26 +4070,25 @@
           <a:p>
             <a:pPr algn="just"/>
             <a:r>
-              <a:rPr lang="en-US" dirty="0" smtClean="0"/>
+              <a:rPr lang="en-US" dirty="0"/>
               <a:t>Synchronous </a:t>
             </a:r>
             <a:r>
-              <a:rPr lang="en-US" dirty="0" err="1" smtClean="0"/>
+              <a:rPr lang="en-US" dirty="0" err="1"/>
               <a:t>XMLHttpRequest</a:t>
             </a:r>
             <a:r>
-              <a:rPr lang="en-US" dirty="0" smtClean="0"/>
+              <a:rPr lang="en-US" dirty="0"/>
               <a:t> (</a:t>
             </a:r>
             <a:r>
-              <a:rPr lang="en-US" dirty="0" err="1" smtClean="0"/>
+              <a:rPr lang="en-US" dirty="0" err="1"/>
               <a:t>async</a:t>
             </a:r>
             <a:r>
-              <a:rPr lang="en-US" dirty="0" smtClean="0"/>
+              <a:rPr lang="en-US" dirty="0"/>
               <a:t> = false) is not recommended because the JavaScript will stop executing until the server response is ready. If the server is busy or slow, the application will hang or stop.</a:t>
             </a:r>
-            <a:endParaRPr lang="en-US" dirty="0"/>
           </a:p>
         </p:txBody>
       </p:sp>
@@ -4159,10 +4138,9 @@
           <a:lstStyle/>
           <a:p>
             <a:r>
-              <a:rPr lang="en-US" dirty="0" smtClean="0"/>
+              <a:rPr lang="en-US" dirty="0"/>
               <a:t>Send a Request To a Server</a:t>
             </a:r>
-            <a:endParaRPr lang="en-US" dirty="0"/>
           </a:p>
         </p:txBody>
       </p:sp>
@@ -4183,15 +4161,15 @@
           <a:p>
             <a:pPr algn="just"/>
             <a:r>
-              <a:rPr lang="en-US" dirty="0" smtClean="0"/>
+              <a:rPr lang="en-US" dirty="0"/>
               <a:t>To send a request to a server, we use the open() and send() methods of the </a:t>
             </a:r>
             <a:r>
-              <a:rPr lang="en-US" dirty="0" err="1" smtClean="0"/>
+              <a:rPr lang="en-US" dirty="0" err="1"/>
               <a:t>XMLHttpRequest</a:t>
             </a:r>
             <a:r>
-              <a:rPr lang="en-US" dirty="0" smtClean="0"/>
+              <a:rPr lang="en-US" dirty="0"/>
               <a:t> object:</a:t>
             </a:r>
           </a:p>
@@ -4201,11 +4179,11 @@
               <a:buAutoNum type="arabicPeriod"/>
             </a:pPr>
             <a:r>
-              <a:rPr lang="en-US" dirty="0" err="1" smtClean="0"/>
+              <a:rPr lang="en-US" dirty="0" err="1"/>
               <a:t>xhttp.open</a:t>
             </a:r>
             <a:r>
-              <a:rPr lang="en-US" dirty="0" smtClean="0"/>
+              <a:rPr lang="en-US" dirty="0"/>
               <a:t>("GET", "ajax_info.txt", true);</a:t>
             </a:r>
           </a:p>
@@ -4215,11 +4193,11 @@
               <a:buAutoNum type="arabicPeriod"/>
             </a:pPr>
             <a:r>
-              <a:rPr lang="en-US" dirty="0" err="1" smtClean="0"/>
+              <a:rPr lang="en-US" dirty="0" err="1"/>
               <a:t>xhttp.send</a:t>
             </a:r>
             <a:r>
-              <a:rPr lang="en-US" dirty="0" smtClean="0"/>
+              <a:rPr lang="en-US" dirty="0"/>
               <a:t>();</a:t>
             </a:r>
           </a:p>
@@ -4275,18 +4253,17 @@
           <a:lstStyle/>
           <a:p>
             <a:r>
-              <a:rPr lang="en-US" dirty="0" smtClean="0"/>
+              <a:rPr lang="en-US" dirty="0"/>
               <a:t>The </a:t>
             </a:r>
             <a:r>
-              <a:rPr lang="en-US" dirty="0" err="1" smtClean="0"/>
+              <a:rPr lang="en-US" dirty="0" err="1"/>
               <a:t>onreadystatechange</a:t>
             </a:r>
             <a:r>
-              <a:rPr lang="en-US" dirty="0" smtClean="0"/>
+              <a:rPr lang="en-US" dirty="0"/>
               <a:t> Property</a:t>
             </a:r>
-            <a:endParaRPr lang="en-US" dirty="0"/>
           </a:p>
         </p:txBody>
       </p:sp>
@@ -4309,136 +4286,136 @@
           <a:p>
             <a:pPr algn="just"/>
             <a:r>
-              <a:rPr lang="en-US" dirty="0" smtClean="0"/>
+              <a:rPr lang="en-US" dirty="0"/>
               <a:t>The </a:t>
             </a:r>
             <a:r>
-              <a:rPr lang="en-US" dirty="0" err="1" smtClean="0"/>
+              <a:rPr lang="en-US" dirty="0" err="1"/>
               <a:t>onreadystatechange</a:t>
             </a:r>
             <a:r>
-              <a:rPr lang="en-US" dirty="0" smtClean="0"/>
+              <a:rPr lang="en-US" dirty="0"/>
               <a:t> property defines a function to be executed when the </a:t>
             </a:r>
             <a:r>
-              <a:rPr lang="en-US" dirty="0" err="1" smtClean="0"/>
+              <a:rPr lang="en-US" dirty="0" err="1"/>
               <a:t>readyState</a:t>
             </a:r>
             <a:r>
-              <a:rPr lang="en-US" dirty="0" smtClean="0"/>
+              <a:rPr lang="en-US" dirty="0"/>
               <a:t> changes.</a:t>
             </a:r>
           </a:p>
           <a:p>
             <a:pPr algn="just"/>
             <a:r>
-              <a:rPr lang="en-US" dirty="0" smtClean="0"/>
+              <a:rPr lang="en-US" dirty="0"/>
               <a:t>The </a:t>
             </a:r>
             <a:r>
-              <a:rPr lang="en-US" dirty="0" err="1" smtClean="0"/>
+              <a:rPr lang="en-US" dirty="0" err="1"/>
               <a:t>readyState</a:t>
             </a:r>
             <a:r>
-              <a:rPr lang="en-US" dirty="0" smtClean="0"/>
+              <a:rPr lang="en-US" dirty="0"/>
               <a:t> property holds the status of the </a:t>
             </a:r>
             <a:r>
-              <a:rPr lang="en-US" dirty="0" err="1" smtClean="0"/>
+              <a:rPr lang="en-US" dirty="0" err="1"/>
               <a:t>XMLHttpRequest</a:t>
             </a:r>
             <a:r>
-              <a:rPr lang="en-US" dirty="0" smtClean="0"/>
+              <a:rPr lang="en-US" dirty="0"/>
               <a:t>.</a:t>
             </a:r>
           </a:p>
           <a:p>
             <a:pPr algn="just"/>
             <a:r>
-              <a:rPr lang="en-US" dirty="0" smtClean="0"/>
+              <a:rPr lang="en-US" dirty="0"/>
               <a:t>The status property and the </a:t>
             </a:r>
             <a:r>
-              <a:rPr lang="en-US" dirty="0" err="1" smtClean="0"/>
+              <a:rPr lang="en-US" dirty="0" err="1"/>
               <a:t>statusText</a:t>
             </a:r>
             <a:r>
-              <a:rPr lang="en-US" dirty="0" smtClean="0"/>
+              <a:rPr lang="en-US" dirty="0"/>
               <a:t> property holds the status of the </a:t>
             </a:r>
             <a:r>
-              <a:rPr lang="en-US" dirty="0" err="1" smtClean="0"/>
+              <a:rPr lang="en-US" dirty="0" err="1"/>
               <a:t>XMLHttpRequest</a:t>
             </a:r>
             <a:r>
-              <a:rPr lang="en-US" dirty="0" smtClean="0"/>
+              <a:rPr lang="en-US" dirty="0"/>
               <a:t> object.</a:t>
             </a:r>
           </a:p>
           <a:p>
             <a:pPr algn="just"/>
             <a:r>
-              <a:rPr lang="en-US" dirty="0" smtClean="0"/>
+              <a:rPr lang="en-US" dirty="0"/>
               <a:t>The </a:t>
             </a:r>
             <a:r>
-              <a:rPr lang="en-US" dirty="0" err="1" smtClean="0"/>
+              <a:rPr lang="en-US" dirty="0" err="1"/>
               <a:t>onreadystatechange</a:t>
             </a:r>
             <a:r>
-              <a:rPr lang="en-US" dirty="0" smtClean="0"/>
+              <a:rPr lang="en-US" dirty="0"/>
               <a:t> function is called every time the </a:t>
             </a:r>
             <a:r>
-              <a:rPr lang="en-US" dirty="0" err="1" smtClean="0"/>
+              <a:rPr lang="en-US" dirty="0" err="1"/>
               <a:t>readyState</a:t>
             </a:r>
             <a:r>
-              <a:rPr lang="en-US" dirty="0" smtClean="0"/>
+              <a:rPr lang="en-US" dirty="0"/>
               <a:t> changes.</a:t>
             </a:r>
           </a:p>
           <a:p>
             <a:pPr algn="just"/>
             <a:r>
-              <a:rPr lang="en-US" dirty="0" smtClean="0"/>
+              <a:rPr lang="en-US" dirty="0"/>
               <a:t>When </a:t>
             </a:r>
             <a:r>
-              <a:rPr lang="en-US" dirty="0" err="1" smtClean="0"/>
+              <a:rPr lang="en-US" dirty="0" err="1"/>
               <a:t>readyState</a:t>
             </a:r>
             <a:r>
-              <a:rPr lang="en-US" dirty="0" smtClean="0"/>
+              <a:rPr lang="en-US" dirty="0"/>
               <a:t> is 4 and status is 200, the response is ready.</a:t>
             </a:r>
           </a:p>
           <a:p>
             <a:pPr algn="just"/>
             <a:r>
-              <a:rPr lang="en-US" dirty="0" smtClean="0"/>
+              <a:rPr lang="en-US" dirty="0"/>
               <a:t>The </a:t>
             </a:r>
             <a:r>
-              <a:rPr lang="en-US" dirty="0" err="1" smtClean="0"/>
+              <a:rPr lang="en-US" dirty="0" err="1"/>
               <a:t>onreadystatechange</a:t>
             </a:r>
             <a:r>
-              <a:rPr lang="en-US" dirty="0" smtClean="0"/>
+              <a:rPr lang="en-US" dirty="0"/>
               <a:t> event is triggered four times (1-4), one time for each change in the </a:t>
             </a:r>
             <a:r>
-              <a:rPr lang="en-US" dirty="0" err="1" smtClean="0"/>
+              <a:rPr lang="en-US" dirty="0" err="1"/>
               <a:t>readyState</a:t>
             </a:r>
             <a:r>
-              <a:rPr lang="en-US" dirty="0" smtClean="0"/>
+              <a:rPr lang="en-US" dirty="0"/>
               <a:t>.</a:t>
             </a:r>
           </a:p>
           <a:p>
             <a:pPr algn="just"/>
-            <a:endParaRPr lang="en-US" dirty="0" smtClean="0"/>
+            <a:endParaRPr lang="en-US" dirty="0"/>
           </a:p>
           <a:p>
             <a:pPr algn="just"/>
